--- a/bd/CRIS-1.pptx
+++ b/bd/CRIS-1.pptx
@@ -306,7 +306,7 @@
             <a:fld id="{48DB71EA-204F-4F36-B14B-3B78552B3709}" type="datetimeFigureOut">
               <a:rPr lang="pt-BR" smtClean="0"/>
               <a:pPr/>
-              <a:t>10/09/2017</a:t>
+              <a:t>15/10/2017</a:t>
             </a:fld>
             <a:endParaRPr lang="pt-BR"/>
           </a:p>
@@ -473,7 +473,7 @@
             <a:fld id="{48DB71EA-204F-4F36-B14B-3B78552B3709}" type="datetimeFigureOut">
               <a:rPr lang="pt-BR" smtClean="0"/>
               <a:pPr/>
-              <a:t>10/09/2017</a:t>
+              <a:t>15/10/2017</a:t>
             </a:fld>
             <a:endParaRPr lang="pt-BR"/>
           </a:p>
@@ -650,7 +650,7 @@
             <a:fld id="{48DB71EA-204F-4F36-B14B-3B78552B3709}" type="datetimeFigureOut">
               <a:rPr lang="pt-BR" smtClean="0"/>
               <a:pPr/>
-              <a:t>10/09/2017</a:t>
+              <a:t>15/10/2017</a:t>
             </a:fld>
             <a:endParaRPr lang="pt-BR"/>
           </a:p>
@@ -817,7 +817,7 @@
             <a:fld id="{48DB71EA-204F-4F36-B14B-3B78552B3709}" type="datetimeFigureOut">
               <a:rPr lang="pt-BR" smtClean="0"/>
               <a:pPr/>
-              <a:t>10/09/2017</a:t>
+              <a:t>15/10/2017</a:t>
             </a:fld>
             <a:endParaRPr lang="pt-BR"/>
           </a:p>
@@ -1060,7 +1060,7 @@
             <a:fld id="{48DB71EA-204F-4F36-B14B-3B78552B3709}" type="datetimeFigureOut">
               <a:rPr lang="pt-BR" smtClean="0"/>
               <a:pPr/>
-              <a:t>10/09/2017</a:t>
+              <a:t>15/10/2017</a:t>
             </a:fld>
             <a:endParaRPr lang="pt-BR"/>
           </a:p>
@@ -1345,7 +1345,7 @@
             <a:fld id="{48DB71EA-204F-4F36-B14B-3B78552B3709}" type="datetimeFigureOut">
               <a:rPr lang="pt-BR" smtClean="0"/>
               <a:pPr/>
-              <a:t>10/09/2017</a:t>
+              <a:t>15/10/2017</a:t>
             </a:fld>
             <a:endParaRPr lang="pt-BR"/>
           </a:p>
@@ -1764,7 +1764,7 @@
             <a:fld id="{48DB71EA-204F-4F36-B14B-3B78552B3709}" type="datetimeFigureOut">
               <a:rPr lang="pt-BR" smtClean="0"/>
               <a:pPr/>
-              <a:t>10/09/2017</a:t>
+              <a:t>15/10/2017</a:t>
             </a:fld>
             <a:endParaRPr lang="pt-BR"/>
           </a:p>
@@ -1879,7 +1879,7 @@
             <a:fld id="{48DB71EA-204F-4F36-B14B-3B78552B3709}" type="datetimeFigureOut">
               <a:rPr lang="pt-BR" smtClean="0"/>
               <a:pPr/>
-              <a:t>10/09/2017</a:t>
+              <a:t>15/10/2017</a:t>
             </a:fld>
             <a:endParaRPr lang="pt-BR"/>
           </a:p>
@@ -1971,7 +1971,7 @@
             <a:fld id="{48DB71EA-204F-4F36-B14B-3B78552B3709}" type="datetimeFigureOut">
               <a:rPr lang="pt-BR" smtClean="0"/>
               <a:pPr/>
-              <a:t>10/09/2017</a:t>
+              <a:t>15/10/2017</a:t>
             </a:fld>
             <a:endParaRPr lang="pt-BR"/>
           </a:p>
@@ -2245,7 +2245,7 @@
             <a:fld id="{48DB71EA-204F-4F36-B14B-3B78552B3709}" type="datetimeFigureOut">
               <a:rPr lang="pt-BR" smtClean="0"/>
               <a:pPr/>
-              <a:t>10/09/2017</a:t>
+              <a:t>15/10/2017</a:t>
             </a:fld>
             <a:endParaRPr lang="pt-BR"/>
           </a:p>
@@ -2495,7 +2495,7 @@
             <a:fld id="{48DB71EA-204F-4F36-B14B-3B78552B3709}" type="datetimeFigureOut">
               <a:rPr lang="pt-BR" smtClean="0"/>
               <a:pPr/>
-              <a:t>10/09/2017</a:t>
+              <a:t>15/10/2017</a:t>
             </a:fld>
             <a:endParaRPr lang="pt-BR"/>
           </a:p>
@@ -2705,7 +2705,7 @@
             <a:fld id="{48DB71EA-204F-4F36-B14B-3B78552B3709}" type="datetimeFigureOut">
               <a:rPr lang="pt-BR" smtClean="0"/>
               <a:pPr/>
-              <a:t>10/09/2017</a:t>
+              <a:t>15/10/2017</a:t>
             </a:fld>
             <a:endParaRPr lang="pt-BR"/>
           </a:p>
@@ -3092,8 +3092,8 @@
           <a:lstStyle/>
           <a:p>
             <a:r>
-              <a:rPr lang="pt-BR" dirty="0" smtClean="0"/>
-              <a:t>CRIS-1</a:t>
+              <a:rPr lang="pt-BR" smtClean="0"/>
+              <a:t>CRIS-01</a:t>
             </a:r>
             <a:endParaRPr lang="pt-BR" dirty="0"/>
           </a:p>
@@ -4188,11 +4188,7 @@
             </a:r>
             <a:r>
               <a:rPr lang="pt-BR" dirty="0" smtClean="0"/>
-              <a:t> </a:t>
-            </a:r>
-            <a:r>
-              <a:rPr lang="pt-BR" dirty="0" smtClean="0"/>
-              <a:t>– Coordenador Estadual – SP</a:t>
+              <a:t> – Coordenador Estadual – SP</a:t>
             </a:r>
           </a:p>
           <a:p>
